--- a/apuntes/trunk/figuras/figuras.pptx
+++ b/apuntes/trunk/figuras/figuras.pptx
@@ -5,7 +5,7 @@
     <p:sldMasterId id="2147483648" r:id="rId1"/>
   </p:sldMasterIdLst>
   <p:notesMasterIdLst>
-    <p:notesMasterId r:id="rId15"/>
+    <p:notesMasterId r:id="rId16"/>
   </p:notesMasterIdLst>
   <p:sldIdLst>
     <p:sldId id="256" r:id="rId2"/>
@@ -21,6 +21,7 @@
     <p:sldId id="264" r:id="rId12"/>
     <p:sldId id="262" r:id="rId13"/>
     <p:sldId id="263" r:id="rId14"/>
+    <p:sldId id="269" r:id="rId15"/>
   </p:sldIdLst>
   <p:sldSz cx="9144000" cy="6858000" type="screen4x3"/>
   <p:notesSz cx="6858000" cy="9144000"/>
@@ -251,7 +252,7 @@
               <a:pPr>
                 <a:defRPr/>
               </a:pPr>
-              <a:t>10/10/08</a:t>
+              <a:t>13/12/08</a:t>
             </a:fld>
             <a:endParaRPr lang="en-GB"/>
           </a:p>
@@ -12518,6 +12519,738 @@
 </p:sld>
 </file>
 
+<file path=ppt/slides/slide14.xml><?xml version="1.0" encoding="utf-8"?>
+<p:sld xmlns:a="http://schemas.openxmlformats.org/drawingml/2006/main" xmlns:r="http://schemas.openxmlformats.org/officeDocument/2006/relationships" xmlns:mc="http://schemas.openxmlformats.org/markup-compatibility/2006" xmlns:mv="urn:schemas-microsoft-com:mac:vml" xmlns:p="http://schemas.openxmlformats.org/presentationml/2006/main" mc:Ignorable="mv" mc:PreserveAttributes="mv:*">
+  <p:cSld>
+    <p:spTree>
+      <p:nvGrpSpPr>
+        <p:cNvPr id="1" name=""/>
+        <p:cNvGrpSpPr/>
+        <p:nvPr/>
+      </p:nvGrpSpPr>
+      <p:grpSpPr>
+        <a:xfrm>
+          <a:off x="0" y="0"/>
+          <a:ext cx="0" cy="0"/>
+          <a:chOff x="0" y="0"/>
+          <a:chExt cx="0" cy="0"/>
+        </a:xfrm>
+      </p:grpSpPr>
+      <p:grpSp>
+        <p:nvGrpSpPr>
+          <p:cNvPr id="2" name="Agrupar 5"/>
+          <p:cNvGrpSpPr/>
+          <p:nvPr/>
+        </p:nvGrpSpPr>
+        <p:grpSpPr>
+          <a:xfrm>
+            <a:off x="1555518" y="1086249"/>
+            <a:ext cx="144000" cy="144000"/>
+            <a:chOff x="1554724" y="789849"/>
+            <a:chExt cx="144000" cy="144000"/>
+          </a:xfrm>
+        </p:grpSpPr>
+        <p:cxnSp>
+          <p:nvCxnSpPr>
+            <p:cNvPr id="7" name="Conector recto 6"/>
+            <p:cNvCxnSpPr/>
+            <p:nvPr/>
+          </p:nvCxnSpPr>
+          <p:spPr bwMode="auto">
+            <a:xfrm rot="5400000">
+              <a:off x="1554724" y="861055"/>
+              <a:ext cx="144000" cy="1588"/>
+            </a:xfrm>
+            <a:prstGeom prst="line">
+              <a:avLst/>
+            </a:prstGeom>
+            <a:solidFill>
+              <a:schemeClr val="accent1"/>
+            </a:solidFill>
+            <a:ln w="9525" cap="flat" cmpd="sng" algn="ctr">
+              <a:solidFill>
+                <a:srgbClr val="0000FF"/>
+              </a:solidFill>
+              <a:prstDash val="solid"/>
+              <a:round/>
+              <a:headEnd type="none" w="med" len="med"/>
+              <a:tailEnd type="none" w="med" len="med"/>
+            </a:ln>
+            <a:effectLst/>
+          </p:spPr>
+        </p:cxnSp>
+        <p:cxnSp>
+          <p:nvCxnSpPr>
+            <p:cNvPr id="8" name="Conector recto 7"/>
+            <p:cNvCxnSpPr/>
+            <p:nvPr/>
+          </p:nvCxnSpPr>
+          <p:spPr bwMode="auto">
+            <a:xfrm rot="10800000">
+              <a:off x="1554724" y="861055"/>
+              <a:ext cx="144000" cy="1588"/>
+            </a:xfrm>
+            <a:prstGeom prst="line">
+              <a:avLst/>
+            </a:prstGeom>
+            <a:solidFill>
+              <a:schemeClr val="accent1"/>
+            </a:solidFill>
+            <a:ln w="9525" cap="flat" cmpd="sng" algn="ctr">
+              <a:solidFill>
+                <a:srgbClr val="0000FF"/>
+              </a:solidFill>
+              <a:prstDash val="solid"/>
+              <a:round/>
+              <a:headEnd type="none" w="med" len="med"/>
+              <a:tailEnd type="none" w="med" len="med"/>
+            </a:ln>
+            <a:effectLst/>
+          </p:spPr>
+        </p:cxnSp>
+      </p:grpSp>
+      <p:grpSp>
+        <p:nvGrpSpPr>
+          <p:cNvPr id="5" name="Agrupar 12"/>
+          <p:cNvGrpSpPr/>
+          <p:nvPr/>
+        </p:nvGrpSpPr>
+        <p:grpSpPr>
+          <a:xfrm>
+            <a:off x="1554724" y="789849"/>
+            <a:ext cx="153193" cy="144000"/>
+            <a:chOff x="1554724" y="789849"/>
+            <a:chExt cx="153193" cy="144000"/>
+          </a:xfrm>
+        </p:grpSpPr>
+        <p:grpSp>
+          <p:nvGrpSpPr>
+            <p:cNvPr id="6" name="Agrupar 4"/>
+            <p:cNvGrpSpPr/>
+            <p:nvPr/>
+          </p:nvGrpSpPr>
+          <p:grpSpPr>
+            <a:xfrm>
+              <a:off x="1554724" y="789849"/>
+              <a:ext cx="144000" cy="144000"/>
+              <a:chOff x="1554724" y="789849"/>
+              <a:chExt cx="144000" cy="144000"/>
+            </a:xfrm>
+          </p:grpSpPr>
+          <p:cxnSp>
+            <p:nvCxnSpPr>
+              <p:cNvPr id="3" name="Conector recto 2"/>
+              <p:cNvCxnSpPr/>
+              <p:nvPr/>
+            </p:nvCxnSpPr>
+            <p:spPr bwMode="auto">
+              <a:xfrm rot="5400000">
+                <a:off x="1554724" y="861055"/>
+                <a:ext cx="144000" cy="1588"/>
+              </a:xfrm>
+              <a:prstGeom prst="line">
+                <a:avLst/>
+              </a:prstGeom>
+              <a:solidFill>
+                <a:schemeClr val="accent1"/>
+              </a:solidFill>
+              <a:ln w="9525" cap="flat" cmpd="sng" algn="ctr">
+                <a:solidFill>
+                  <a:srgbClr val="0000FF"/>
+                </a:solidFill>
+                <a:prstDash val="solid"/>
+                <a:round/>
+                <a:headEnd type="none" w="med" len="med"/>
+                <a:tailEnd type="none" w="med" len="med"/>
+              </a:ln>
+              <a:effectLst/>
+            </p:spPr>
+          </p:cxnSp>
+          <p:cxnSp>
+            <p:nvCxnSpPr>
+              <p:cNvPr id="4" name="Conector recto 3"/>
+              <p:cNvCxnSpPr/>
+              <p:nvPr/>
+            </p:nvCxnSpPr>
+            <p:spPr bwMode="auto">
+              <a:xfrm rot="10800000">
+                <a:off x="1554724" y="861055"/>
+                <a:ext cx="144000" cy="1588"/>
+              </a:xfrm>
+              <a:prstGeom prst="line">
+                <a:avLst/>
+              </a:prstGeom>
+              <a:solidFill>
+                <a:schemeClr val="accent1"/>
+              </a:solidFill>
+              <a:ln w="9525" cap="flat" cmpd="sng" algn="ctr">
+                <a:solidFill>
+                  <a:srgbClr val="0000FF"/>
+                </a:solidFill>
+                <a:prstDash val="solid"/>
+                <a:round/>
+                <a:headEnd type="none" w="med" len="med"/>
+                <a:tailEnd type="none" w="med" len="med"/>
+              </a:ln>
+              <a:effectLst/>
+            </p:spPr>
+          </p:cxnSp>
+        </p:grpSp>
+        <p:sp>
+          <p:nvSpPr>
+            <p:cNvPr id="9" name="Elipse 8"/>
+            <p:cNvSpPr>
+              <a:spLocks noChangeAspect="1"/>
+            </p:cNvSpPr>
+            <p:nvPr/>
+          </p:nvSpPr>
+          <p:spPr bwMode="auto">
+            <a:xfrm>
+              <a:off x="1554724" y="789849"/>
+              <a:ext cx="25400" cy="25400"/>
+            </a:xfrm>
+            <a:prstGeom prst="ellipse">
+              <a:avLst/>
+            </a:prstGeom>
+            <a:solidFill>
+              <a:srgbClr val="0000FF"/>
+            </a:solidFill>
+            <a:ln w="9525" cap="flat" cmpd="sng" algn="ctr">
+              <a:noFill/>
+              <a:prstDash val="solid"/>
+              <a:round/>
+              <a:headEnd type="none" w="med" len="med"/>
+              <a:tailEnd type="none" w="med" len="med"/>
+            </a:ln>
+            <a:effectLst/>
+          </p:spPr>
+          <p:txBody>
+            <a:bodyPr vert="horz" wrap="square" lIns="91440" tIns="45720" rIns="91440" bIns="45720" numCol="1" rtlCol="0" anchor="t" anchorCtr="0" compatLnSpc="1">
+              <a:prstTxWarp prst="textNoShape">
+                <a:avLst/>
+              </a:prstTxWarp>
+            </a:bodyPr>
+            <a:lstStyle/>
+            <a:p>
+              <a:pPr marL="0" marR="0" indent="0" algn="l" defTabSz="914400" rtl="0" eaLnBrk="0" fontAlgn="base" latinLnBrk="0" hangingPunct="0">
+                <a:lnSpc>
+                  <a:spcPct val="100000"/>
+                </a:lnSpc>
+                <a:spcBef>
+                  <a:spcPct val="0"/>
+                </a:spcBef>
+                <a:spcAft>
+                  <a:spcPct val="0"/>
+                </a:spcAft>
+                <a:buClrTx/>
+                <a:buSzTx/>
+                <a:buFontTx/>
+                <a:buNone/>
+                <a:tabLst/>
+              </a:pPr>
+              <a:endParaRPr kumimoji="0" lang="en-GB" sz="2400" b="0" i="0" u="none" strike="noStrike" cap="none" normalizeH="0" baseline="0">
+                <a:ln>
+                  <a:noFill/>
+                </a:ln>
+                <a:solidFill>
+                  <a:schemeClr val="tx1"/>
+                </a:solidFill>
+                <a:effectLst/>
+                <a:latin typeface="Arial" pitchFamily="-112" charset="0"/>
+                <a:ea typeface="ＭＳ Ｐゴシック" pitchFamily="-112" charset="-128"/>
+                <a:cs typeface="ＭＳ Ｐゴシック" pitchFamily="-112" charset="-128"/>
+              </a:endParaRPr>
+            </a:p>
+          </p:txBody>
+        </p:sp>
+        <p:sp>
+          <p:nvSpPr>
+            <p:cNvPr id="10" name="Elipse 9"/>
+            <p:cNvSpPr>
+              <a:spLocks noChangeAspect="1"/>
+            </p:cNvSpPr>
+            <p:nvPr/>
+          </p:nvSpPr>
+          <p:spPr bwMode="auto">
+            <a:xfrm>
+              <a:off x="1673324" y="789849"/>
+              <a:ext cx="25400" cy="25400"/>
+            </a:xfrm>
+            <a:prstGeom prst="ellipse">
+              <a:avLst/>
+            </a:prstGeom>
+            <a:solidFill>
+              <a:srgbClr val="0000FF"/>
+            </a:solidFill>
+            <a:ln w="9525" cap="flat" cmpd="sng" algn="ctr">
+              <a:noFill/>
+              <a:prstDash val="solid"/>
+              <a:round/>
+              <a:headEnd type="none" w="med" len="med"/>
+              <a:tailEnd type="none" w="med" len="med"/>
+            </a:ln>
+            <a:effectLst/>
+          </p:spPr>
+          <p:txBody>
+            <a:bodyPr vert="horz" wrap="square" lIns="91440" tIns="45720" rIns="91440" bIns="45720" numCol="1" rtlCol="0" anchor="t" anchorCtr="0" compatLnSpc="1">
+              <a:prstTxWarp prst="textNoShape">
+                <a:avLst/>
+              </a:prstTxWarp>
+            </a:bodyPr>
+            <a:lstStyle/>
+            <a:p>
+              <a:pPr marL="0" marR="0" indent="0" algn="l" defTabSz="914400" rtl="0" eaLnBrk="0" fontAlgn="base" latinLnBrk="0" hangingPunct="0">
+                <a:lnSpc>
+                  <a:spcPct val="100000"/>
+                </a:lnSpc>
+                <a:spcBef>
+                  <a:spcPct val="0"/>
+                </a:spcBef>
+                <a:spcAft>
+                  <a:spcPct val="0"/>
+                </a:spcAft>
+                <a:buClrTx/>
+                <a:buSzTx/>
+                <a:buFontTx/>
+                <a:buNone/>
+                <a:tabLst/>
+              </a:pPr>
+              <a:endParaRPr kumimoji="0" lang="en-GB" sz="2400" b="0" i="0" u="none" strike="noStrike" cap="none" normalizeH="0" baseline="0">
+                <a:ln>
+                  <a:noFill/>
+                </a:ln>
+                <a:solidFill>
+                  <a:schemeClr val="tx1"/>
+                </a:solidFill>
+                <a:effectLst/>
+                <a:latin typeface="Arial" pitchFamily="-112" charset="0"/>
+                <a:ea typeface="ＭＳ Ｐゴシック" pitchFamily="-112" charset="-128"/>
+                <a:cs typeface="ＭＳ Ｐゴシック" pitchFamily="-112" charset="-128"/>
+              </a:endParaRPr>
+            </a:p>
+          </p:txBody>
+        </p:sp>
+        <p:sp>
+          <p:nvSpPr>
+            <p:cNvPr id="11" name="Elipse 10"/>
+            <p:cNvSpPr>
+              <a:spLocks noChangeAspect="1"/>
+            </p:cNvSpPr>
+            <p:nvPr/>
+          </p:nvSpPr>
+          <p:spPr bwMode="auto">
+            <a:xfrm>
+              <a:off x="1555517" y="908449"/>
+              <a:ext cx="25400" cy="25400"/>
+            </a:xfrm>
+            <a:prstGeom prst="ellipse">
+              <a:avLst/>
+            </a:prstGeom>
+            <a:solidFill>
+              <a:srgbClr val="0000FF"/>
+            </a:solidFill>
+            <a:ln w="9525" cap="flat" cmpd="sng" algn="ctr">
+              <a:noFill/>
+              <a:prstDash val="solid"/>
+              <a:round/>
+              <a:headEnd type="none" w="med" len="med"/>
+              <a:tailEnd type="none" w="med" len="med"/>
+            </a:ln>
+            <a:effectLst/>
+          </p:spPr>
+          <p:txBody>
+            <a:bodyPr vert="horz" wrap="square" lIns="91440" tIns="45720" rIns="91440" bIns="45720" numCol="1" rtlCol="0" anchor="t" anchorCtr="0" compatLnSpc="1">
+              <a:prstTxWarp prst="textNoShape">
+                <a:avLst/>
+              </a:prstTxWarp>
+            </a:bodyPr>
+            <a:lstStyle/>
+            <a:p>
+              <a:pPr marL="0" marR="0" indent="0" algn="l" defTabSz="914400" rtl="0" eaLnBrk="0" fontAlgn="base" latinLnBrk="0" hangingPunct="0">
+                <a:lnSpc>
+                  <a:spcPct val="100000"/>
+                </a:lnSpc>
+                <a:spcBef>
+                  <a:spcPct val="0"/>
+                </a:spcBef>
+                <a:spcAft>
+                  <a:spcPct val="0"/>
+                </a:spcAft>
+                <a:buClrTx/>
+                <a:buSzTx/>
+                <a:buFontTx/>
+                <a:buNone/>
+                <a:tabLst/>
+              </a:pPr>
+              <a:endParaRPr kumimoji="0" lang="en-GB" sz="2400" b="0" i="0" u="none" strike="noStrike" cap="none" normalizeH="0" baseline="0">
+                <a:ln>
+                  <a:noFill/>
+                </a:ln>
+                <a:solidFill>
+                  <a:schemeClr val="tx1"/>
+                </a:solidFill>
+                <a:effectLst/>
+                <a:latin typeface="Arial" pitchFamily="-112" charset="0"/>
+                <a:ea typeface="ＭＳ Ｐゴシック" pitchFamily="-112" charset="-128"/>
+                <a:cs typeface="ＭＳ Ｐゴシック" pitchFamily="-112" charset="-128"/>
+              </a:endParaRPr>
+            </a:p>
+          </p:txBody>
+        </p:sp>
+        <p:sp>
+          <p:nvSpPr>
+            <p:cNvPr id="12" name="Elipse 11"/>
+            <p:cNvSpPr>
+              <a:spLocks noChangeAspect="1"/>
+            </p:cNvSpPr>
+            <p:nvPr/>
+          </p:nvSpPr>
+          <p:spPr bwMode="auto">
+            <a:xfrm>
+              <a:off x="1682517" y="908449"/>
+              <a:ext cx="25400" cy="25400"/>
+            </a:xfrm>
+            <a:prstGeom prst="ellipse">
+              <a:avLst/>
+            </a:prstGeom>
+            <a:solidFill>
+              <a:srgbClr val="0000FF"/>
+            </a:solidFill>
+            <a:ln w="9525" cap="flat" cmpd="sng" algn="ctr">
+              <a:noFill/>
+              <a:prstDash val="solid"/>
+              <a:round/>
+              <a:headEnd type="none" w="med" len="med"/>
+              <a:tailEnd type="none" w="med" len="med"/>
+            </a:ln>
+            <a:effectLst/>
+          </p:spPr>
+          <p:txBody>
+            <a:bodyPr vert="horz" wrap="square" lIns="91440" tIns="45720" rIns="91440" bIns="45720" numCol="1" rtlCol="0" anchor="t" anchorCtr="0" compatLnSpc="1">
+              <a:prstTxWarp prst="textNoShape">
+                <a:avLst/>
+              </a:prstTxWarp>
+            </a:bodyPr>
+            <a:lstStyle/>
+            <a:p>
+              <a:pPr marL="0" marR="0" indent="0" algn="l" defTabSz="914400" rtl="0" eaLnBrk="0" fontAlgn="base" latinLnBrk="0" hangingPunct="0">
+                <a:lnSpc>
+                  <a:spcPct val="100000"/>
+                </a:lnSpc>
+                <a:spcBef>
+                  <a:spcPct val="0"/>
+                </a:spcBef>
+                <a:spcAft>
+                  <a:spcPct val="0"/>
+                </a:spcAft>
+                <a:buClrTx/>
+                <a:buSzTx/>
+                <a:buFontTx/>
+                <a:buNone/>
+                <a:tabLst/>
+              </a:pPr>
+              <a:endParaRPr kumimoji="0" lang="en-GB" sz="2400" b="0" i="0" u="none" strike="noStrike" cap="none" normalizeH="0" baseline="0">
+                <a:ln>
+                  <a:noFill/>
+                </a:ln>
+                <a:solidFill>
+                  <a:schemeClr val="tx1"/>
+                </a:solidFill>
+                <a:effectLst/>
+                <a:latin typeface="Arial" pitchFamily="-112" charset="0"/>
+                <a:ea typeface="ＭＳ Ｐゴシック" pitchFamily="-112" charset="-128"/>
+                <a:cs typeface="ＭＳ Ｐゴシック" pitchFamily="-112" charset="-128"/>
+              </a:endParaRPr>
+            </a:p>
+          </p:txBody>
+        </p:sp>
+      </p:grpSp>
+      <p:grpSp>
+        <p:nvGrpSpPr>
+          <p:cNvPr id="19" name="Agrupar 18"/>
+          <p:cNvGrpSpPr/>
+          <p:nvPr/>
+        </p:nvGrpSpPr>
+        <p:grpSpPr>
+          <a:xfrm>
+            <a:off x="1481930" y="1412461"/>
+            <a:ext cx="288000" cy="144000"/>
+            <a:chOff x="1417197" y="1484460"/>
+            <a:chExt cx="288000" cy="144000"/>
+          </a:xfrm>
+        </p:grpSpPr>
+        <p:cxnSp>
+          <p:nvCxnSpPr>
+            <p:cNvPr id="15" name="Conector recto 14"/>
+            <p:cNvCxnSpPr/>
+            <p:nvPr/>
+          </p:nvCxnSpPr>
+          <p:spPr bwMode="auto">
+            <a:xfrm rot="5400000">
+              <a:off x="1489196" y="1555666"/>
+              <a:ext cx="144000" cy="1588"/>
+            </a:xfrm>
+            <a:prstGeom prst="line">
+              <a:avLst/>
+            </a:prstGeom>
+            <a:solidFill>
+              <a:schemeClr val="accent1"/>
+            </a:solidFill>
+            <a:ln w="9525" cap="flat" cmpd="sng" algn="ctr">
+              <a:solidFill>
+                <a:srgbClr val="0000FF"/>
+              </a:solidFill>
+              <a:prstDash val="solid"/>
+              <a:round/>
+              <a:headEnd type="none" w="med" len="med"/>
+              <a:tailEnd type="none" w="med" len="med"/>
+            </a:ln>
+            <a:effectLst/>
+          </p:spPr>
+        </p:cxnSp>
+        <p:cxnSp>
+          <p:nvCxnSpPr>
+            <p:cNvPr id="16" name="Conector recto 15"/>
+            <p:cNvCxnSpPr/>
+            <p:nvPr/>
+          </p:nvCxnSpPr>
+          <p:spPr bwMode="auto">
+            <a:xfrm rot="10800000">
+              <a:off x="1417197" y="1555666"/>
+              <a:ext cx="288000" cy="1588"/>
+            </a:xfrm>
+            <a:prstGeom prst="line">
+              <a:avLst/>
+            </a:prstGeom>
+            <a:solidFill>
+              <a:schemeClr val="accent1"/>
+            </a:solidFill>
+            <a:ln w="9525" cap="flat" cmpd="sng" algn="ctr">
+              <a:solidFill>
+                <a:srgbClr val="0000FF"/>
+              </a:solidFill>
+              <a:prstDash val="solid"/>
+              <a:round/>
+              <a:headEnd type="none" w="med" len="med"/>
+              <a:tailEnd type="none" w="med" len="med"/>
+            </a:ln>
+            <a:effectLst/>
+          </p:spPr>
+        </p:cxnSp>
+        <p:cxnSp>
+          <p:nvCxnSpPr>
+            <p:cNvPr id="17" name="Conector recto 16"/>
+            <p:cNvCxnSpPr/>
+            <p:nvPr/>
+          </p:nvCxnSpPr>
+          <p:spPr bwMode="auto">
+            <a:xfrm rot="5400000">
+              <a:off x="1571136" y="1555666"/>
+              <a:ext cx="108000" cy="1588"/>
+            </a:xfrm>
+            <a:prstGeom prst="line">
+              <a:avLst/>
+            </a:prstGeom>
+            <a:solidFill>
+              <a:schemeClr val="accent1"/>
+            </a:solidFill>
+            <a:ln w="9525" cap="flat" cmpd="sng" algn="ctr">
+              <a:solidFill>
+                <a:srgbClr val="0000FF"/>
+              </a:solidFill>
+              <a:prstDash val="solid"/>
+              <a:round/>
+              <a:headEnd type="none" w="med" len="med"/>
+              <a:tailEnd type="none" w="med" len="med"/>
+            </a:ln>
+            <a:effectLst/>
+          </p:spPr>
+        </p:cxnSp>
+        <p:cxnSp>
+          <p:nvCxnSpPr>
+            <p:cNvPr id="18" name="Conector recto 17"/>
+            <p:cNvCxnSpPr/>
+            <p:nvPr/>
+          </p:nvCxnSpPr>
+          <p:spPr bwMode="auto">
+            <a:xfrm rot="5400000">
+              <a:off x="1438127" y="1555666"/>
+              <a:ext cx="108000" cy="1588"/>
+            </a:xfrm>
+            <a:prstGeom prst="line">
+              <a:avLst/>
+            </a:prstGeom>
+            <a:solidFill>
+              <a:schemeClr val="accent1"/>
+            </a:solidFill>
+            <a:ln w="9525" cap="flat" cmpd="sng" algn="ctr">
+              <a:solidFill>
+                <a:srgbClr val="0000FF"/>
+              </a:solidFill>
+              <a:prstDash val="solid"/>
+              <a:round/>
+              <a:headEnd type="none" w="med" len="med"/>
+              <a:tailEnd type="none" w="med" len="med"/>
+            </a:ln>
+            <a:effectLst/>
+          </p:spPr>
+        </p:cxnSp>
+      </p:grpSp>
+      <p:grpSp>
+        <p:nvGrpSpPr>
+          <p:cNvPr id="22" name="Agrupar 21"/>
+          <p:cNvGrpSpPr/>
+          <p:nvPr/>
+        </p:nvGrpSpPr>
+        <p:grpSpPr>
+          <a:xfrm>
+            <a:off x="1481929" y="1737898"/>
+            <a:ext cx="123058" cy="85627"/>
+            <a:chOff x="1481929" y="1737898"/>
+            <a:chExt cx="123058" cy="85627"/>
+          </a:xfrm>
+        </p:grpSpPr>
+        <p:sp>
+          <p:nvSpPr>
+            <p:cNvPr id="20" name="Elipse 19"/>
+            <p:cNvSpPr>
+              <a:spLocks noChangeAspect="1"/>
+            </p:cNvSpPr>
+            <p:nvPr/>
+          </p:nvSpPr>
+          <p:spPr bwMode="auto">
+            <a:xfrm>
+              <a:off x="1481929" y="1787525"/>
+              <a:ext cx="36000" cy="36000"/>
+            </a:xfrm>
+            <a:prstGeom prst="ellipse">
+              <a:avLst/>
+            </a:prstGeom>
+            <a:solidFill>
+              <a:srgbClr val="0000FF"/>
+            </a:solidFill>
+            <a:ln w="9525" cap="flat" cmpd="sng" algn="ctr">
+              <a:noFill/>
+              <a:prstDash val="solid"/>
+              <a:round/>
+              <a:headEnd type="none" w="med" len="med"/>
+              <a:tailEnd type="none" w="med" len="med"/>
+            </a:ln>
+            <a:effectLst/>
+          </p:spPr>
+          <p:txBody>
+            <a:bodyPr vert="horz" wrap="square" lIns="91440" tIns="45720" rIns="91440" bIns="45720" numCol="1" rtlCol="0" anchor="t" anchorCtr="0" compatLnSpc="1">
+              <a:prstTxWarp prst="textNoShape">
+                <a:avLst/>
+              </a:prstTxWarp>
+            </a:bodyPr>
+            <a:lstStyle/>
+            <a:p>
+              <a:pPr marL="0" marR="0" indent="0" algn="l" defTabSz="914400" rtl="0" eaLnBrk="0" fontAlgn="base" latinLnBrk="0" hangingPunct="0">
+                <a:lnSpc>
+                  <a:spcPct val="100000"/>
+                </a:lnSpc>
+                <a:spcBef>
+                  <a:spcPct val="0"/>
+                </a:spcBef>
+                <a:spcAft>
+                  <a:spcPct val="0"/>
+                </a:spcAft>
+                <a:buClrTx/>
+                <a:buSzTx/>
+                <a:buFontTx/>
+                <a:buNone/>
+                <a:tabLst/>
+              </a:pPr>
+              <a:endParaRPr kumimoji="0" lang="en-GB" sz="2400" b="0" i="0" u="none" strike="noStrike" cap="none" normalizeH="0" baseline="0">
+                <a:ln>
+                  <a:noFill/>
+                </a:ln>
+                <a:solidFill>
+                  <a:schemeClr val="tx1"/>
+                </a:solidFill>
+                <a:effectLst/>
+                <a:latin typeface="Arial" pitchFamily="-112" charset="0"/>
+                <a:ea typeface="ＭＳ Ｐゴシック" pitchFamily="-112" charset="-128"/>
+                <a:cs typeface="ＭＳ Ｐゴシック" pitchFamily="-112" charset="-128"/>
+              </a:endParaRPr>
+            </a:p>
+          </p:txBody>
+        </p:sp>
+        <p:sp>
+          <p:nvSpPr>
+            <p:cNvPr id="21" name="Elipse 20"/>
+            <p:cNvSpPr/>
+            <p:nvPr/>
+          </p:nvSpPr>
+          <p:spPr bwMode="auto">
+            <a:xfrm rot="18900000" flipV="1">
+              <a:off x="1496987" y="1737898"/>
+              <a:ext cx="108000" cy="45719"/>
+            </a:xfrm>
+            <a:prstGeom prst="ellipse">
+              <a:avLst/>
+            </a:prstGeom>
+            <a:solidFill>
+              <a:srgbClr val="CC33CC"/>
+            </a:solidFill>
+            <a:ln w="9525" cap="flat" cmpd="sng" algn="ctr">
+              <a:noFill/>
+              <a:prstDash val="solid"/>
+              <a:round/>
+              <a:headEnd type="none" w="med" len="med"/>
+              <a:tailEnd type="none" w="med" len="med"/>
+            </a:ln>
+            <a:effectLst/>
+          </p:spPr>
+          <p:txBody>
+            <a:bodyPr vert="horz" wrap="square" lIns="91440" tIns="45720" rIns="91440" bIns="45720" numCol="1" rtlCol="0" anchor="t" anchorCtr="0" compatLnSpc="1">
+              <a:prstTxWarp prst="textNoShape">
+                <a:avLst/>
+              </a:prstTxWarp>
+            </a:bodyPr>
+            <a:lstStyle/>
+            <a:p>
+              <a:pPr marL="0" marR="0" indent="0" algn="l" defTabSz="914400" rtl="0" eaLnBrk="0" fontAlgn="base" latinLnBrk="0" hangingPunct="0">
+                <a:lnSpc>
+                  <a:spcPct val="100000"/>
+                </a:lnSpc>
+                <a:spcBef>
+                  <a:spcPct val="0"/>
+                </a:spcBef>
+                <a:spcAft>
+                  <a:spcPct val="0"/>
+                </a:spcAft>
+                <a:buClrTx/>
+                <a:buSzTx/>
+                <a:buFontTx/>
+                <a:buNone/>
+                <a:tabLst/>
+              </a:pPr>
+              <a:endParaRPr kumimoji="0" lang="en-GB" sz="2400" b="0" i="0" u="none" strike="noStrike" cap="none" normalizeH="0" baseline="0">
+                <a:ln>
+                  <a:noFill/>
+                </a:ln>
+                <a:solidFill>
+                  <a:schemeClr val="tx1"/>
+                </a:solidFill>
+                <a:effectLst/>
+                <a:latin typeface="Arial" pitchFamily="-112" charset="0"/>
+                <a:ea typeface="ＭＳ Ｐゴシック" pitchFamily="-112" charset="-128"/>
+                <a:cs typeface="ＭＳ Ｐゴシック" pitchFamily="-112" charset="-128"/>
+              </a:endParaRPr>
+            </a:p>
+          </p:txBody>
+        </p:sp>
+      </p:grpSp>
+    </p:spTree>
+  </p:cSld>
+  <p:clrMapOvr>
+    <a:masterClrMapping/>
+  </p:clrMapOvr>
+</p:sld>
+</file>
+
 <file path=ppt/slides/slide2.xml><?xml version="1.0" encoding="utf-8"?>
 <p:sld xmlns:a="http://schemas.openxmlformats.org/drawingml/2006/main" xmlns:r="http://schemas.openxmlformats.org/officeDocument/2006/relationships" xmlns:mc="http://schemas.openxmlformats.org/markup-compatibility/2006" xmlns:mv="urn:schemas-microsoft-com:mac:vml" xmlns:p="http://schemas.openxmlformats.org/presentationml/2006/main" mc:Ignorable="mv" mc:PreserveAttributes="mv:*">
   <p:cSld>
